--- a/assets/image.pptx
+++ b/assets/image.pptx
@@ -6,7 +6,10 @@
   </p:sldMasterIdLst>
   <p:sldIdLst>
     <p:sldId id="256" r:id="rId2"/>
-    <p:sldId id="257" r:id="rId3"/>
+    <p:sldId id="260" r:id="rId3"/>
+    <p:sldId id="257" r:id="rId4"/>
+    <p:sldId id="259" r:id="rId5"/>
+    <p:sldId id="258" r:id="rId6"/>
   </p:sldIdLst>
   <p:sldSz cx="12192000" cy="6858000"/>
   <p:notesSz cx="6858000" cy="9144000"/>
@@ -105,6 +108,11 @@
       </a:defRPr>
     </a:lvl9pPr>
   </p:defaultTextStyle>
+  <p:extLst>
+    <p:ext uri="{EFAFB233-063F-42B5-8137-9DF3F51BA10A}">
+      <p15:sldGuideLst xmlns:p15="http://schemas.microsoft.com/office/powerpoint/2012/main"/>
+    </p:ext>
+  </p:extLst>
 </p:presentation>
 </file>
 
@@ -3530,6 +3538,146 @@
       </p:grpSpPr>
       <p:pic>
         <p:nvPicPr>
+          <p:cNvPr id="21" name="Graphic 20">
+            <a:extLst>
+              <a:ext uri="{FF2B5EF4-FFF2-40B4-BE49-F238E27FC236}">
+                <a16:creationId xmlns:a16="http://schemas.microsoft.com/office/drawing/2014/main" id="{92BE684F-905B-7F4B-ABB3-45DFF55D2FEA}"/>
+              </a:ext>
+            </a:extLst>
+          </p:cNvPr>
+          <p:cNvPicPr>
+            <a:picLocks noChangeAspect="1"/>
+          </p:cNvPicPr>
+          <p:nvPr/>
+        </p:nvPicPr>
+        <p:blipFill>
+          <a:blip r:embed="rId2">
+            <a:alphaModFix amt="41000"/>
+            <a:extLst>
+              <a:ext uri="{96DAC541-7B7A-43D3-8B79-37D633B846F1}">
+                <asvg:svgBlip xmlns:asvg="http://schemas.microsoft.com/office/drawing/2016/SVG/main" r:embed="rId3"/>
+              </a:ext>
+            </a:extLst>
+          </a:blip>
+          <a:stretch>
+            <a:fillRect/>
+          </a:stretch>
+        </p:blipFill>
+        <p:spPr>
+          <a:xfrm>
+            <a:off x="3657600" y="1741720"/>
+            <a:ext cx="4876800" cy="4876800"/>
+          </a:xfrm>
+          <a:prstGeom prst="rect">
+            <a:avLst/>
+          </a:prstGeom>
+          <a:effectLst/>
+        </p:spPr>
+      </p:pic>
+      <p:pic>
+        <p:nvPicPr>
+          <p:cNvPr id="13" name="Graphic 12">
+            <a:extLst>
+              <a:ext uri="{FF2B5EF4-FFF2-40B4-BE49-F238E27FC236}">
+                <a16:creationId xmlns:a16="http://schemas.microsoft.com/office/drawing/2014/main" id="{00AA2BE9-BE01-B840-A778-0D99DFE1A4F4}"/>
+              </a:ext>
+            </a:extLst>
+          </p:cNvPr>
+          <p:cNvPicPr>
+            <a:picLocks noChangeAspect="1"/>
+          </p:cNvPicPr>
+          <p:nvPr/>
+        </p:nvPicPr>
+        <p:blipFill>
+          <a:blip r:embed="rId4">
+            <a:extLst>
+              <a:ext uri="{96DAC541-7B7A-43D3-8B79-37D633B846F1}">
+                <asvg:svgBlip xmlns:asvg="http://schemas.microsoft.com/office/drawing/2016/SVG/main" r:embed="rId5"/>
+              </a:ext>
+            </a:extLst>
+          </a:blip>
+          <a:stretch>
+            <a:fillRect/>
+          </a:stretch>
+        </p:blipFill>
+        <p:spPr>
+          <a:xfrm>
+            <a:off x="3295970" y="2136730"/>
+            <a:ext cx="4086780" cy="4086780"/>
+          </a:xfrm>
+          <a:prstGeom prst="rect">
+            <a:avLst/>
+          </a:prstGeom>
+        </p:spPr>
+      </p:pic>
+      <p:pic>
+        <p:nvPicPr>
+          <p:cNvPr id="23" name="Graphic 22">
+            <a:extLst>
+              <a:ext uri="{FF2B5EF4-FFF2-40B4-BE49-F238E27FC236}">
+                <a16:creationId xmlns:a16="http://schemas.microsoft.com/office/drawing/2014/main" id="{D51F992E-C1C3-CB46-A2F7-3C205499604A}"/>
+              </a:ext>
+            </a:extLst>
+          </p:cNvPr>
+          <p:cNvPicPr>
+            <a:picLocks noChangeAspect="1"/>
+          </p:cNvPicPr>
+          <p:nvPr/>
+        </p:nvPicPr>
+        <p:blipFill>
+          <a:blip r:embed="rId6">
+            <a:extLst>
+              <a:ext uri="{96DAC541-7B7A-43D3-8B79-37D633B846F1}">
+                <asvg:svgBlip xmlns:asvg="http://schemas.microsoft.com/office/drawing/2016/SVG/main" r:embed="rId7"/>
+              </a:ext>
+            </a:extLst>
+          </a:blip>
+          <a:stretch>
+            <a:fillRect/>
+          </a:stretch>
+        </p:blipFill>
+        <p:spPr>
+          <a:xfrm>
+            <a:off x="5339360" y="2447133"/>
+            <a:ext cx="3195040" cy="3195040"/>
+          </a:xfrm>
+          <a:prstGeom prst="rect">
+            <a:avLst/>
+          </a:prstGeom>
+        </p:spPr>
+      </p:pic>
+    </p:spTree>
+    <p:extLst>
+      <p:ext uri="{BB962C8B-B14F-4D97-AF65-F5344CB8AC3E}">
+        <p14:creationId xmlns:p14="http://schemas.microsoft.com/office/powerpoint/2010/main" val="1915925811"/>
+      </p:ext>
+    </p:extLst>
+  </p:cSld>
+  <p:clrMapOvr>
+    <a:masterClrMapping/>
+  </p:clrMapOvr>
+</p:sld>
+</file>
+
+<file path=ppt/slides/slide3.xml><?xml version="1.0" encoding="utf-8"?>
+<p:sld xmlns:a="http://schemas.openxmlformats.org/drawingml/2006/main" xmlns:r="http://schemas.openxmlformats.org/officeDocument/2006/relationships" xmlns:p="http://schemas.openxmlformats.org/presentationml/2006/main">
+  <p:cSld>
+    <p:spTree>
+      <p:nvGrpSpPr>
+        <p:cNvPr id="1" name=""/>
+        <p:cNvGrpSpPr/>
+        <p:nvPr/>
+      </p:nvGrpSpPr>
+      <p:grpSpPr>
+        <a:xfrm>
+          <a:off x="0" y="0"/>
+          <a:ext cx="0" cy="0"/>
+          <a:chOff x="0" y="0"/>
+          <a:chExt cx="0" cy="0"/>
+        </a:xfrm>
+      </p:grpSpPr>
+      <p:pic>
+        <p:nvPicPr>
           <p:cNvPr id="5" name="Picture 4">
             <a:extLst>
               <a:ext uri="{FF2B5EF4-FFF2-40B4-BE49-F238E27FC236}">
@@ -3572,8 +3720,8 @@
         </p:nvSpPr>
         <p:spPr>
           <a:xfrm>
-            <a:off x="1289957" y="653143"/>
-            <a:ext cx="6120586" cy="1446550"/>
+            <a:off x="1163909" y="365277"/>
+            <a:ext cx="6783524" cy="1723549"/>
           </a:xfrm>
           <a:prstGeom prst="rect">
             <a:avLst/>
@@ -3587,20 +3735,20 @@
           <a:lstStyle/>
           <a:p>
             <a:r>
-              <a:rPr lang="en-US" sz="8800" b="1" spc="-300" dirty="0" err="1">
+              <a:rPr lang="en-US" sz="10600" dirty="0" err="1">
                 <a:solidFill>
                   <a:srgbClr val="1BBB9D"/>
                 </a:solidFill>
-                <a:latin typeface="Lucida Sans" panose="020B0602030504020204" pitchFamily="34" charset="77"/>
+                <a:latin typeface="Aller" panose="020B0503030302020204" pitchFamily="34" charset="77"/>
                 <a:cs typeface="Al Tarikh" pitchFamily="2" charset="-78"/>
               </a:rPr>
               <a:t>ReproHack</a:t>
             </a:r>
-            <a:endParaRPr lang="en-US" sz="8800" b="1" spc="-300" dirty="0">
+            <a:endParaRPr lang="en-US" sz="10600" dirty="0">
               <a:solidFill>
                 <a:srgbClr val="1BBB9D"/>
               </a:solidFill>
-              <a:latin typeface="Lucida Sans" panose="020B0602030504020204" pitchFamily="34" charset="77"/>
+              <a:latin typeface="Aller" panose="020B0503030302020204" pitchFamily="34" charset="77"/>
               <a:cs typeface="Al Tarikh" pitchFamily="2" charset="-78"/>
             </a:endParaRPr>
           </a:p>
@@ -3610,6 +3758,194 @@
     <p:extLst>
       <p:ext uri="{BB962C8B-B14F-4D97-AF65-F5344CB8AC3E}">
         <p14:creationId xmlns:p14="http://schemas.microsoft.com/office/powerpoint/2010/main" val="2413270547"/>
+      </p:ext>
+    </p:extLst>
+  </p:cSld>
+  <p:clrMapOvr>
+    <a:masterClrMapping/>
+  </p:clrMapOvr>
+</p:sld>
+</file>
+
+<file path=ppt/slides/slide4.xml><?xml version="1.0" encoding="utf-8"?>
+<p:sld xmlns:a="http://schemas.openxmlformats.org/drawingml/2006/main" xmlns:r="http://schemas.openxmlformats.org/officeDocument/2006/relationships" xmlns:p="http://schemas.openxmlformats.org/presentationml/2006/main">
+  <p:cSld>
+    <p:spTree>
+      <p:nvGrpSpPr>
+        <p:cNvPr id="1" name=""/>
+        <p:cNvGrpSpPr/>
+        <p:nvPr/>
+      </p:nvGrpSpPr>
+      <p:grpSpPr>
+        <a:xfrm>
+          <a:off x="0" y="0"/>
+          <a:ext cx="0" cy="0"/>
+          <a:chOff x="0" y="0"/>
+          <a:chExt cx="0" cy="0"/>
+        </a:xfrm>
+      </p:grpSpPr>
+      <p:pic>
+        <p:nvPicPr>
+          <p:cNvPr id="5" name="Picture 4">
+            <a:extLst>
+              <a:ext uri="{FF2B5EF4-FFF2-40B4-BE49-F238E27FC236}">
+                <a16:creationId xmlns:a16="http://schemas.microsoft.com/office/drawing/2014/main" id="{457081F6-A030-C84B-8768-3090B6E36C28}"/>
+              </a:ext>
+            </a:extLst>
+          </p:cNvPr>
+          <p:cNvPicPr>
+            <a:picLocks noChangeAspect="1"/>
+          </p:cNvPicPr>
+          <p:nvPr/>
+        </p:nvPicPr>
+        <p:blipFill>
+          <a:blip r:embed="rId2"/>
+          <a:stretch>
+            <a:fillRect/>
+          </a:stretch>
+        </p:blipFill>
+        <p:spPr>
+          <a:xfrm>
+            <a:off x="0" y="1732870"/>
+            <a:ext cx="9111343" cy="5125130"/>
+          </a:xfrm>
+          <a:prstGeom prst="rect">
+            <a:avLst/>
+          </a:prstGeom>
+        </p:spPr>
+      </p:pic>
+      <p:sp>
+        <p:nvSpPr>
+          <p:cNvPr id="6" name="TextBox 5">
+            <a:extLst>
+              <a:ext uri="{FF2B5EF4-FFF2-40B4-BE49-F238E27FC236}">
+                <a16:creationId xmlns:a16="http://schemas.microsoft.com/office/drawing/2014/main" id="{756C8CCB-EA98-E742-9A10-63A8F13D7B8B}"/>
+              </a:ext>
+            </a:extLst>
+          </p:cNvPr>
+          <p:cNvSpPr txBox="1"/>
+          <p:nvPr/>
+        </p:nvSpPr>
+        <p:spPr>
+          <a:xfrm>
+            <a:off x="1163909" y="365277"/>
+            <a:ext cx="6783524" cy="1723549"/>
+          </a:xfrm>
+          <a:prstGeom prst="rect">
+            <a:avLst/>
+          </a:prstGeom>
+          <a:noFill/>
+        </p:spPr>
+        <p:txBody>
+          <a:bodyPr wrap="none" rtlCol="0">
+            <a:spAutoFit/>
+          </a:bodyPr>
+          <a:lstStyle/>
+          <a:p>
+            <a:r>
+              <a:rPr lang="en-US" sz="10600" dirty="0" err="1">
+                <a:solidFill>
+                  <a:srgbClr val="1BBB9D"/>
+                </a:solidFill>
+                <a:latin typeface="Aller" panose="020B0503030302020204" pitchFamily="34" charset="77"/>
+                <a:cs typeface="Al Tarikh" pitchFamily="2" charset="-78"/>
+              </a:rPr>
+              <a:t>ReproHack</a:t>
+            </a:r>
+            <a:endParaRPr lang="en-US" sz="10600" dirty="0">
+              <a:solidFill>
+                <a:srgbClr val="1BBB9D"/>
+              </a:solidFill>
+              <a:latin typeface="Aller" panose="020B0503030302020204" pitchFamily="34" charset="77"/>
+              <a:cs typeface="Al Tarikh" pitchFamily="2" charset="-78"/>
+            </a:endParaRPr>
+          </a:p>
+        </p:txBody>
+      </p:sp>
+    </p:spTree>
+    <p:extLst>
+      <p:ext uri="{BB962C8B-B14F-4D97-AF65-F5344CB8AC3E}">
+        <p14:creationId xmlns:p14="http://schemas.microsoft.com/office/powerpoint/2010/main" val="2617305566"/>
+      </p:ext>
+    </p:extLst>
+  </p:cSld>
+  <p:clrMapOvr>
+    <a:masterClrMapping/>
+  </p:clrMapOvr>
+</p:sld>
+</file>
+
+<file path=ppt/slides/slide5.xml><?xml version="1.0" encoding="utf-8"?>
+<p:sld xmlns:a="http://schemas.openxmlformats.org/drawingml/2006/main" xmlns:r="http://schemas.openxmlformats.org/officeDocument/2006/relationships" xmlns:p="http://schemas.openxmlformats.org/presentationml/2006/main">
+  <p:cSld>
+    <p:spTree>
+      <p:nvGrpSpPr>
+        <p:cNvPr id="1" name=""/>
+        <p:cNvGrpSpPr/>
+        <p:nvPr/>
+      </p:nvGrpSpPr>
+      <p:grpSpPr>
+        <a:xfrm>
+          <a:off x="0" y="0"/>
+          <a:ext cx="0" cy="0"/>
+          <a:chOff x="0" y="0"/>
+          <a:chExt cx="0" cy="0"/>
+        </a:xfrm>
+      </p:grpSpPr>
+      <p:sp>
+        <p:nvSpPr>
+          <p:cNvPr id="2" name="Title 1">
+            <a:extLst>
+              <a:ext uri="{FF2B5EF4-FFF2-40B4-BE49-F238E27FC236}">
+                <a16:creationId xmlns:a16="http://schemas.microsoft.com/office/drawing/2014/main" id="{FC09BF98-ED29-D74A-B359-AF88AEFC41D8}"/>
+              </a:ext>
+            </a:extLst>
+          </p:cNvPr>
+          <p:cNvSpPr>
+            <a:spLocks noGrp="1"/>
+          </p:cNvSpPr>
+          <p:nvPr>
+            <p:ph type="title"/>
+          </p:nvPr>
+        </p:nvSpPr>
+        <p:spPr/>
+        <p:txBody>
+          <a:bodyPr/>
+          <a:lstStyle/>
+          <a:p>
+            <a:endParaRPr lang="en-US"/>
+          </a:p>
+        </p:txBody>
+      </p:sp>
+      <p:sp>
+        <p:nvSpPr>
+          <p:cNvPr id="3" name="Content Placeholder 2">
+            <a:extLst>
+              <a:ext uri="{FF2B5EF4-FFF2-40B4-BE49-F238E27FC236}">
+                <a16:creationId xmlns:a16="http://schemas.microsoft.com/office/drawing/2014/main" id="{89834349-9484-D842-82BC-D4F64196FF1C}"/>
+              </a:ext>
+            </a:extLst>
+          </p:cNvPr>
+          <p:cNvSpPr>
+            <a:spLocks noGrp="1"/>
+          </p:cNvSpPr>
+          <p:nvPr>
+            <p:ph idx="1"/>
+          </p:nvPr>
+        </p:nvSpPr>
+        <p:spPr/>
+        <p:txBody>
+          <a:bodyPr/>
+          <a:lstStyle/>
+          <a:p>
+            <a:endParaRPr lang="en-US"/>
+          </a:p>
+        </p:txBody>
+      </p:sp>
+    </p:spTree>
+    <p:extLst>
+      <p:ext uri="{BB962C8B-B14F-4D97-AF65-F5344CB8AC3E}">
+        <p14:creationId xmlns:p14="http://schemas.microsoft.com/office/powerpoint/2010/main" val="809458083"/>
       </p:ext>
     </p:extLst>
   </p:cSld>
